--- a/V1.0.0/website_images/ppt_logo_and_background.pptx
+++ b/V1.0.0/website_images/ppt_logo_and_background.pptx
@@ -3523,14 +3523,6 @@
               </a:rPr>
               <a:t>Computational Fluid Dynamic </a:t>
             </a:r>
-            <a:r>
-              <a:rPr lang="en-US" sz="4000" dirty="0" smtClean="0">
-                <a:latin typeface="Consolas" charset="0"/>
-                <a:ea typeface="Consolas" charset="0"/>
-                <a:cs typeface="Consolas" charset="0"/>
-              </a:rPr>
-              <a:t/>
-            </a:r>
             <a:br>
               <a:rPr lang="en-US" sz="4000" dirty="0" smtClean="0">
                 <a:latin typeface="Consolas" charset="0"/>
@@ -3559,7 +3551,15 @@
                 <a:ea typeface="Consolas" charset="0"/>
                 <a:cs typeface="Consolas" charset="0"/>
               </a:rPr>
-              <a:t>V0.0.13</a:t>
+              <a:t>V1.0.0</a:t>
+            </a:r>
+            <a:r>
+              <a:rPr lang="en-US" sz="4000" dirty="0" smtClean="0">
+                <a:latin typeface="Consolas" charset="0"/>
+                <a:ea typeface="Consolas" charset="0"/>
+                <a:cs typeface="Consolas" charset="0"/>
+              </a:rPr>
+              <a:t/>
             </a:r>
             <a:br>
               <a:rPr lang="en-US" sz="4000" dirty="0" smtClean="0">
